--- a/slides/Module7-Forms.pptx
+++ b/slides/Module7-Forms.pptx
@@ -188,7 +188,297 @@
       </a:defRPr>
     </a:lvl9pPr>
   </p:defaultTextStyle>
+  <p:extLst>
+    <p:ext uri="{EFAFB233-063F-42B5-8137-9DF3F51BA10A}">
+      <p15:sldGuideLst xmlns:p15="http://schemas.microsoft.com/office/powerpoint/2012/main"/>
+    </p:ext>
+  </p:extLst>
 </p:presentation>
+</file>
+
+<file path=ppt/ink/ink1.xml><?xml version="1.0" encoding="utf-8"?>
+<inkml:ink xmlns:inkml="http://www.w3.org/2003/InkML">
+  <inkml:definitions>
+    <inkml:context xml:id="ctx0">
+      <inkml:inkSource xml:id="inkSrc0">
+        <inkml:traceFormat>
+          <inkml:channel name="X" type="integer" max="32767" units="cm"/>
+          <inkml:channel name="Y" type="integer" max="32767" units="cm"/>
+          <inkml:channel name="F" type="integer" max="1024" units="dev"/>
+          <inkml:channel name="T" type="integer" max="2.14748E9" units="dev"/>
+        </inkml:traceFormat>
+        <inkml:channelProperties>
+          <inkml:channelProperty channel="X" name="resolution" value="325.74808" units="1/cm"/>
+          <inkml:channelProperty channel="Y" name="resolution" value="571.84991" units="1/cm"/>
+          <inkml:channelProperty channel="F" name="resolution" value="4.0315E-5" units="1/dev"/>
+          <inkml:channelProperty channel="T" name="resolution" value="1" units="1/dev"/>
+        </inkml:channelProperties>
+      </inkml:inkSource>
+      <inkml:timestamp xml:id="ts0" timeString="2023-11-09T14:12:51.170"/>
+    </inkml:context>
+    <inkml:brush xml:id="br0">
+      <inkml:brushProperty name="width" value="0.05292" units="cm"/>
+      <inkml:brushProperty name="height" value="0.05292" units="cm"/>
+      <inkml:brushProperty name="color" value="#FF0000"/>
+    </inkml:brush>
+  </inkml:definitions>
+  <inkml:trace contextRef="#ctx0" brushRef="#br0">2481 14004 200 0,'12'0'0'0,"11"0"0"0,1 0 0 0,2-2 0 16,2 1 0-1,1 0 0 1,0 2 0-16,4-1 0 15,4 1 0 1,6 1 0-16,-3-2 0 0,5 0 0 16,4 3 0-1,2-1 0-15,6-2 0 16,4 2 0-16,0-1 0 16,4-1 0-1,0 0 0-15,3 3 0 31,-2 0 0-15,4 0 0-16,3-1 0 16,2 0 0-1,5-2 0-15,4-3 0 0,1 0 0 32,2 0 0-32,-2-1 0 0,3 1 0 15,0 2 0-15,3-2 0 31,0-1 0-15,-1 0 0-16,1-3 0 16,0-1 0-16,-2-1 0 15,-3 4 0 1,-3-2 0 0,-2 0 0-16,-4 0 0 15,-4-4 0-15,0 1 0 16,-5-3 0-1,-4 0 0-15,-6-3 0 16,-12 1 0 0,-2-6 0-1,-7-1 0-15,-1-3 0 16,-2-3 0 0,-2-1 0-16,-4-1 0 15,-2 0 0-15,-6-2 0 16,-5 0 0-1,-4 1 0-15,-5 1 0 16,-4-1 0 0,-3-4 0-16,-1-1 0 15,-5-4 0 1,-3-2 0-16,-4 1 0 16,-4-1 0-1,-4-2 0 1,-5 1 0-1,-1 2 0-15,-8-2 0 0,-3 2 0 32,-9 0 0-32,-7 2 0 15,-9 1 0 1,-5 4 0-16,-6 2 0 16,-10 2 0-16,-7 0 0 15,-3 4 0 1,-2 3 0-1,-7 2 0 1,-5 5 0-16,-3 5 0 16,-4 3 0-1,-1 1 0-15,2 1 0 0,-1-2 0 16,3 2 0 0,-1 2 0-1,3 0 0 1,2 4 0-16,7-2 0 15,1 4 0 1,1 2 0-16,3 3 0 0,0 4 0 16,0 7 0-1,5 3 0-15,2 7 0 16,5 2 0 0,5 7 0-1,1 4 0-15,5 4 0 16,6 2 0-1,2 5 0-15,4 2 0 16,6 5 0 0,6 3 0-16,6 4 0 31,8-1 0-31,2 3 0 16,12-2 0-16,8-4 0 15,5-4 0-15,10-4 0 31,8-7 0-31,4 0 0 16,6-6 0-16,8-5 0 16,10-6 0-1,11 1 0 1,6-5 0-16,7-2 0 16,3-2 0-1,1-1 0-15,7-3 0 16,1-3 0-1,4-1 0-15,0-4 0 16,0 0 0 0,1-2 0-16,-4 0 0 15,-4-3 0-15</inkml:trace>
+</inkml:ink>
+</file>
+
+<file path=ppt/ink/ink2.xml><?xml version="1.0" encoding="utf-8"?>
+<inkml:ink xmlns:inkml="http://www.w3.org/2003/InkML">
+  <inkml:definitions>
+    <inkml:context xml:id="ctx0">
+      <inkml:inkSource xml:id="inkSrc0">
+        <inkml:traceFormat>
+          <inkml:channel name="X" type="integer" max="32767" units="cm"/>
+          <inkml:channel name="Y" type="integer" max="32767" units="cm"/>
+          <inkml:channel name="F" type="integer" max="1024" units="dev"/>
+          <inkml:channel name="T" type="integer" max="2.14748E9" units="dev"/>
+        </inkml:traceFormat>
+        <inkml:channelProperties>
+          <inkml:channelProperty channel="X" name="resolution" value="325.74808" units="1/cm"/>
+          <inkml:channelProperty channel="Y" name="resolution" value="571.84991" units="1/cm"/>
+          <inkml:channelProperty channel="F" name="resolution" value="4.0315E-5" units="1/dev"/>
+          <inkml:channelProperty channel="T" name="resolution" value="1" units="1/dev"/>
+        </inkml:channelProperties>
+      </inkml:inkSource>
+      <inkml:timestamp xml:id="ts0" timeString="2023-11-09T14:22:45.674"/>
+    </inkml:context>
+    <inkml:brush xml:id="br0">
+      <inkml:brushProperty name="width" value="0.05292" units="cm"/>
+      <inkml:brushProperty name="height" value="0.05292" units="cm"/>
+      <inkml:brushProperty name="color" value="#FF0000"/>
+    </inkml:brush>
+  </inkml:definitions>
+  <inkml:trace contextRef="#ctx0" brushRef="#br0">158 15001 200 0,'-18'-16'0'16,"0"-5"0"-1,9 1 0-15,10 6 0 16,8 5 0-16,12 2 0 15,13 6 0-15,11 0 0 16,12 0 0-16,11-2 0 16,5-1 0-1,7-3 0-15,10-1 0 16,4-2 0 0,12-3 0-1,5-1 0 1,7-2 0-16,7 0 0 15,7 3 0 1,6 1 0-16,8 3 0 16,8 2 0-1,6 3 0-15,5 4 0 16,6 1 0 0,6 3 0-16,8-1 0 15,1-3 0 1,4 2 0-16,2 2 0 15,4-2 0-15,5 4 0 16,2-3 0 0,4 2 0-1,2-5 0-15,4-3 0 16,3 1 0-16,2-1 0 31,0 0 0-31,-3 0 0 16,1 2 0-16,-2 4 0 15,0 4 0 1,-1 4 0 0,-4 7 0-16,-8 7 0 15,-3 5 0-15,-8 7 0 16,-6 7 0 0,-11 7 0-1,-12 12 0-15,-11 10 0 0,-11 16 0 16,-12 15 0-1,-12 14 0-15,-12 11 0 16,-12 9 0 0,-8 8 0-1,-11 9 0-15,-9 12 0 16,-9-1 0 0,-10 1 0-16,-6 1 0 15,-5 6 0 1,-5 2 0-1,-7 2 0-15,-8-4 0 16,-11 4 0 0,-13 8 0-16,-13 6 0 15,-16 11 0-15,-16 7 0 16,-13 7 0 0,13-43 0-1</inkml:trace>
+  <inkml:trace contextRef="#ctx0" brushRef="#br0" timeOffset="15352.93">23783 15103 200 0,'-63'9'0'15,"-25"5"0"1,4 0 0-16,3-2 0 15,9-1 0-15,4-2 0 16,2 1 0 0,-2-4 0-16,-3 1 0 15,-8-2 0 1,-1 0 0-16,-8-1 0 16,-4-1 0-1,-3 0 0 1,-2-3 0-16,-5-4 0 15,0-3 0 1,1-4 0-16,-5-5 0 16,-3-3 0-16,-8-1 0 15,-1 0 0 1,-3 0 0 0,-2-3 0-16,0 3 0 15,-1 0 0-15,-4 3 0 16,-1 2 0-1,-1 2 0 1,-4 3 0-16,1 0 0 16,-2 0 0-1,3-5 0-15,0-2 0 16,2 1 0 0,-2 2 0-16,1 3 0 15,0 3 0 1,0 0 0-16,1 3 0 15,3 1 0 1,-1 1 0-16,2 5 0 16,-2 5 0-1,0 2 0-15,2 4 0 16,3 0 0 0,4-4 0-16,3-3 0 15,3-3 0 1,4-3 0-16,2-1 0 15,3 2 0-15,3 2 0 16,-1 5 0 0,4 4 0-16,3 4 0 15,1-3 0 1</inkml:trace>
+</inkml:ink>
+</file>
+
+<file path=ppt/ink/ink3.xml><?xml version="1.0" encoding="utf-8"?>
+<inkml:ink xmlns:inkml="http://www.w3.org/2003/InkML">
+  <inkml:definitions>
+    <inkml:context xml:id="ctx0">
+      <inkml:inkSource xml:id="inkSrc0">
+        <inkml:traceFormat>
+          <inkml:channel name="X" type="integer" max="32767" units="cm"/>
+          <inkml:channel name="Y" type="integer" max="32767" units="cm"/>
+          <inkml:channel name="F" type="integer" max="1024" units="dev"/>
+          <inkml:channel name="T" type="integer" max="2.14748E9" units="dev"/>
+        </inkml:traceFormat>
+        <inkml:channelProperties>
+          <inkml:channelProperty channel="X" name="resolution" value="325.74808" units="1/cm"/>
+          <inkml:channelProperty channel="Y" name="resolution" value="571.84991" units="1/cm"/>
+          <inkml:channelProperty channel="F" name="resolution" value="4.0315E-5" units="1/dev"/>
+          <inkml:channelProperty channel="T" name="resolution" value="1" units="1/dev"/>
+        </inkml:channelProperties>
+      </inkml:inkSource>
+      <inkml:timestamp xml:id="ts0" timeString="2023-11-09T14:36:50.431"/>
+    </inkml:context>
+    <inkml:brush xml:id="br0">
+      <inkml:brushProperty name="width" value="0.05292" units="cm"/>
+      <inkml:brushProperty name="height" value="0.05292" units="cm"/>
+      <inkml:brushProperty name="color" value="#FF0000"/>
+    </inkml:brush>
+  </inkml:definitions>
+  <inkml:trace contextRef="#ctx0" brushRef="#br0">394 17131 200 0,'0'0'0'16,"0"0"0"-16,0 0 0 0,0 0 0 15,0 0 0-15,0 0 0 16,0 0 0-16,0 0 0 16,-3-19 0-1,2-16 0 48,4-9 0-48,1-9 0-15,2-12 0 0,3-12 0 0,-2-7 0 0,4-10 0 0,0-7 0 0,-1-6 0 32,6-2 0-32,2-7 0 15,1-6 0-15,6-9 0 16,-1-2 0 0,4 1 0-1,6 5 0-15,1 3 0 0,7 7 0 31,4 5 0-15,2 8 0-16,4 8 0 16,1 12 0-16,3 10 0 15,-1 10 0-15,0 11 0 16,1 10 0-16,1 9 0 16,-2 14 0-1,-5 10 0 1,-2 11 0-1,-4 15 0-15,-3 13 0 0,-4 10 0 16,3 41 0 31,4 23 0-31,-3 6 0-16,-7-2 0 15,-5 0 0 1,-2 0 0-1,-1 0 0-15,-5 2 0 16,2 1 0 0,-1-3 0-16,-6 3 0 15,2 3 0 1,-8-1 0-16,0 0 0 16,-7-4 0-1,-3-2 0-15,-4-2 0 16,-7 1 0-1,2-2 0 1,-3-2 0-16,-2-1 0 0,1-2 0 16,-2 2 0-1,2 0 0 1,3-2 0-16,3-3 0 16,-2-4 0-1,1-3 0 1,-3-3 0-16,-1-4 0 15,1-3 0 1,1-3 0-16,0 0 0 16,4-2 0-1,-4-2 0-15,1-1 0 16,2-2 0 0,-2 0 0-16,0-3 0 15,-1-4 0 1,5-5 0-16,-1-6 0 15,0-6 0-15,2-3 0 16,-4-2 0 0,3-6 0-16,-1-1 0 15,-1-3 0 1,0-2 0-16,0-1 0 16,0-4 0-1,2-3 0-15,-1-1 0 16,-4-1 0-1,1 1 0-15,-2 0 0 16,-2-2 0-16,-1 0 0 16,-3-2 0-1,-4-3 0-15,-1-1 0 16,-6-9 0 0,0-1 0-16,-1 0 0 15,-1 0 0 1,1 0 0-16,-2 0 0 15,0 0 0 1,2 0 0-16,-2-7 0 16,1-7 0-16,-1-4 0 15,0-4 0-15,-2-6 0 16,0-6 0 0,-1-9 0-1,1-6 0 1,2-5 0-1,-1-3 0-15,6-1 0 16,-1-6 0-16,0-11 0 16,2-11 0-1,0-2 0-15,4 2 0 16,5 1 0 0,3-2 0-16,2 0 0 15,3-6 0 1,0-9 0-16,1-5 0 15,5-4 0 1,0-1 0-16,2-9 0 16,-4-7 0-1,1-1 0-15,0 2 0 16,-1-1 0 0,-7 1 0-16,-5 2 0 15,-4 4 0 1,-3 15 0-1,7 24 0-15</inkml:trace>
+</inkml:ink>
+</file>
+
+<file path=ppt/ink/ink4.xml><?xml version="1.0" encoding="utf-8"?>
+<inkml:ink xmlns:inkml="http://www.w3.org/2003/InkML">
+  <inkml:definitions>
+    <inkml:context xml:id="ctx0">
+      <inkml:inkSource xml:id="inkSrc0">
+        <inkml:traceFormat>
+          <inkml:channel name="X" type="integer" max="32767" units="cm"/>
+          <inkml:channel name="Y" type="integer" max="32767" units="cm"/>
+          <inkml:channel name="F" type="integer" max="1024" units="dev"/>
+          <inkml:channel name="T" type="integer" max="2.14748E9" units="dev"/>
+        </inkml:traceFormat>
+        <inkml:channelProperties>
+          <inkml:channelProperty channel="X" name="resolution" value="325.74808" units="1/cm"/>
+          <inkml:channelProperty channel="Y" name="resolution" value="571.84991" units="1/cm"/>
+          <inkml:channelProperty channel="F" name="resolution" value="4.0315E-5" units="1/dev"/>
+          <inkml:channelProperty channel="T" name="resolution" value="1" units="1/dev"/>
+        </inkml:channelProperties>
+      </inkml:inkSource>
+      <inkml:timestamp xml:id="ts0" timeString="2023-11-09T15:37:16.446"/>
+    </inkml:context>
+    <inkml:brush xml:id="br0">
+      <inkml:brushProperty name="width" value="0.05292" units="cm"/>
+      <inkml:brushProperty name="height" value="0.05292" units="cm"/>
+      <inkml:brushProperty name="color" value="#FF0000"/>
+    </inkml:brush>
+  </inkml:definitions>
+  <inkml:trace contextRef="#ctx0" brushRef="#br0">502 14677 200 0,'19'41'0'0,"25"23"0"16,24 5 0 0,24 3 0-16,22 1 0 15,25 3 0-15,23 4 0 16,20 6 0-1,15 7 0-15,8 8 0 16,4 0 0 0,-5 0 0-1,-5-4 0-15,-19-5 0 16,-18-9 0-16,-27-12 0 16,-23-14 0-16,-31-18 0 15</inkml:trace>
+  <inkml:trace contextRef="#ctx0" brushRef="#br0" timeOffset="579.72">208 16126 200 0,'0'0'0'0,"0"0"0"16,0 0 0-1,17-10 0-15,19-9 0 16,17-8 0-16,17-5 0 15,17-12 0 1,19-9 0-16,26-15 0 16,18-15 0-1,26-18 0 1,23-18 0-16,28-4 0 16,24-4 0-16,20-1 0 15,14 4 0-15,3 9 0 16,-11 16 0-1,-16 20 0-15,-18 15 0 32,-28 12 0-32,-37 4 0 15</inkml:trace>
+  <inkml:trace contextRef="#ctx0" brushRef="#br0" timeOffset="1244.08">401 16057 200 0,'-13'13'0'0,"-3"13"0"0,10 8 0 16,9 5 0 0,12 5 0-16,16 6 0 31,17 9 0-31,18 11 0 16,13 12 0-1,15 9 0-15,14 12 0 16,11 6 0-16,8 9 0 15,10 5 0 1,-1 1 0-16,0 4 0 16,-3 1 0-1,-13-9 0-15,-9-10 0 16,-13-15 0 0,-15-12 0-16,-18-21 0 15</inkml:trace>
+  <inkml:trace contextRef="#ctx0" brushRef="#br0" timeOffset="1769.21">142 17473 200 0,'0'0'0'15,"16"-5"0"-15,18-7 0 16,12-8 0 0,16-17 0-16,21-14 0 15,21-14 0 1,21-11 0-16,29-13 0 15,17-16 0 1,18-7 0-16,27-7 0 16,24-2 0-1,14 2 0-15,7 4 0 16,3 14 0 0,-7 16 0-16,-14 16 0 15,-22 17 0 1,-28 9 0-16</inkml:trace>
+  <inkml:trace contextRef="#ctx0" brushRef="#br0" timeOffset="29191.28">251 12871 200 0,'16'-8'0'0,"19"-5"0"31,11 0 0-31,7 0 0 0,16 2 0 16,9 6 0-16,12 1 0 16,11 1 0-1,12 1 0-15,10-1 0 16,10-2 0-16,12-7 0 16,9-3 0-1,16-1 0-15,4 2 0 16,5 3 0-1,5 4 0 1,-3 6 0-16,-5 10 0 16,-12 0 0-1</inkml:trace>
+  <inkml:trace contextRef="#ctx0" brushRef="#br0" timeOffset="30505.5">225 14473 200 0,'0'0'0'15,"0"0"0"-15,0 0 0 16,0 0 0-16,0 0 0 15,0 0 0 1,0 0 0-16,0 0 0 16,0 0 0-16,22-7 0 15,22-3 0-15,15 0 0 16,14 1 0 0,8-2 0-16,15 0 0 15,8 0 0 1,10-1 0-16,15 1 0 15,6 2 0 1,11 4 0-16,11 1 0 16,-2 3 0-1,-2 3 0 1,-7 2 0-16,-6 0 0 0,-12-9 0 16,-14-20 0-1</inkml:trace>
+  <inkml:trace contextRef="#ctx0" brushRef="#br0" timeOffset="33171.79">208 17932 200 0,'0'0'0'31,"0"0"0"-31,0 0 0 0,17 3 0 16,11 0 0-16,5-3 0 15,6-3 0 1,4 0 0-16,4 0 0 16,11 0 0-1,6 2 0-15,14 1 0 16,8 0 0-1,11-1 0-15,7-1 0 16,9-2 0 0,4 3 0-16,9-2 0 15,5 2 0 1,2 0 0 0,6 0 0-16,5-2 0 15,3-1 0-15,5-3 0 16,5 1 0-16,2-1 0 15,0 0 0 1,3 3 0 0,1 0 0-16,2 0 0 15,-3 1 0 1,-1 0 0-16,-2 9 0 16,2 0 0-1,-9 0 0 1,-4 4 0-16,-10 1 0 15,-8 4 0 1,-9 0 0-16,-9 1 0 16,-14 3 0-16,-9 0 0 15,-11 3 0 1,-6 6 0 0,-7 4 0-16,-8 2 0 0,-5 6 0 31,-8 1 0-31,-8-3 0 15,-8 0 0 1,-10 0 0-16,-6 1 0 16,-10-2 0-1,-3-1 0-15,-9-1 0 16,-3-3 0 0,-9-2 0-16,-5-2 0 15,-7 1 0 1,-8-4 0-16,-1-1 0 15,-3-6 0-15,-6-1 0 16,-7-2 0 0,-7 0 0-16,-5-1 0 15,-1 0 0 1,-6-1 0-16,1-3 0 16,-4 0 0-1,0 1 0-15,2 1 0 16,-2-2 0-1,3-2 0-15,-2-2 0 0,2 2 0 32,1-2 0-32,-3-1 0 0,3 2 0 15,1-1 0 1,1-1 0 0,0-3 0-1,0 1 0-15,1 0 0 16,-2-3 0-1,4 1 0-15,-1-2 0 16,4-1 0 0,-3 1 0-16,-4-2 0 15,2-1 0-15,-5 1 0 16,-2 0 0 0,0-2 0-16,-1 0 0 15,-6 1 0 1,1-3 0-16,-2-3 0 15,3 0 0 1,-2-3 0-16,1 0 0 16,-3 2 0-1,-8 0 0-15,-1 3 0 16,-1 2 0 0,2 2 0-16,5-2 0 15,2 0 0 1,-1-2 0-16,3 1 0 15,2-6 0 1,2 3 0-16,-2-1 0 16,3 2 0-1,1-2 0-15,0 1 0 16,9-2 0 0,2 0 0-16,3 0 0 15,4-5 0 1,3 3 0-16,2 1 0 15,4 0 0 1,2 0 0 0,1-6 0-16,53-2 0 15,0 3 0-15,0 4 0 16,0-5 0 0,0-11 0-16,0 7 0 15,0 8 0 1,0 5 0-16,0 2 0 15,0 2 0 1,0-28 0-16,0-7 0 16,0-4 0-1,0 23 0-15,0-5 0 16,0 3 0 0,0 1 0-16,0-3 0 15,0-5 0 1,0 6 0-16,0 3 0 15,0-1 0 1,14 0 0-16,33-2 0 16,1 2 0-1,4 2 0-15,6 2 0 16,3 2 0 0,9 1 0-16,8 0 0 15,3 1 0 1,3 1 0-16,-3 2 0 15,-3-4 0 1,-2-3 0-16</inkml:trace>
+</inkml:ink>
+</file>
+
+<file path=ppt/ink/ink5.xml><?xml version="1.0" encoding="utf-8"?>
+<inkml:ink xmlns:inkml="http://www.w3.org/2003/InkML">
+  <inkml:definitions>
+    <inkml:context xml:id="ctx0">
+      <inkml:inkSource xml:id="inkSrc0">
+        <inkml:traceFormat>
+          <inkml:channel name="X" type="integer" max="32767" units="cm"/>
+          <inkml:channel name="Y" type="integer" max="32767" units="cm"/>
+          <inkml:channel name="F" type="integer" max="1024" units="dev"/>
+          <inkml:channel name="T" type="integer" max="2.14748E9" units="dev"/>
+        </inkml:traceFormat>
+        <inkml:channelProperties>
+          <inkml:channelProperty channel="X" name="resolution" value="325.74808" units="1/cm"/>
+          <inkml:channelProperty channel="Y" name="resolution" value="571.84991" units="1/cm"/>
+          <inkml:channelProperty channel="F" name="resolution" value="4.0315E-5" units="1/dev"/>
+          <inkml:channelProperty channel="T" name="resolution" value="1" units="1/dev"/>
+        </inkml:channelProperties>
+      </inkml:inkSource>
+      <inkml:timestamp xml:id="ts0" timeString="2023-11-09T16:20:19.692"/>
+    </inkml:context>
+    <inkml:brush xml:id="br0">
+      <inkml:brushProperty name="width" value="0.05292" units="cm"/>
+      <inkml:brushProperty name="height" value="0.05292" units="cm"/>
+      <inkml:brushProperty name="color" value="#FF0000"/>
+    </inkml:brush>
+  </inkml:definitions>
+  <inkml:trace contextRef="#ctx0" brushRef="#br0">9488 9181 200 0,'0'0'0'15,"0"0"0"1,0 0 0-16,0 0 0 0,14-4 0 16,12-2 0-16,10-2 0 15,9 1 0 1,9 0 0-16,7 4 0 15,8 3 0 1,5 3 0-16,11-3 0 16,7 0 0-1,13-1 0-15,6-3 0 32,11 3 0-32,10-6 0 15,10-4 0-15,9-2 0 16,12 1 0-1,4 0 0-15,4 1 0 16,5-1 0 0,0 0 0-1,1-1 0-15,6-3 0 16,1 2 0-16,3 0 0 31,-2 1 0-31,-2 1 0 16,-2 0 0-16,-4 3 0 15,-1 2 0 1,-10 6 0 0,-10 3 0-16,-11 1 0 15,-9 0 0-15,-15 5 0 16,-12 1 0 0,-15 0 0-1,-10 0 0-15,-7 1 0 16,-8-2 0-16,-11-1 0 15,-8-1 0 1,-9-3 0-16</inkml:trace>
+  <inkml:trace contextRef="#ctx0" brushRef="#br0" timeOffset="11789.95">18188 14396 200 0,'-24'2'0'15,"-5"1"0"1,6-1 0-16,8-1 0 0,15-1 0 15,0 0 0 1,0 0 0-16,0 0 0 16,1 0 0-1,12-1 0-15,9 0 0 0,7-2 0 16,3 0 0 0,3 2 0-1,4 2 0-15,5 1 0 0,2 1 0 16,5-1 0-1,4 1 0 1,4 0 0-16,5 2 0 16,0-2 0-1,2 0 0 1,3 0 0 0,1 2 0-16,-2 2 0 15,0 1 0 1,1-1 0-16,3-2 0 15,0 1 0 1,1 2 0-16,-4 0 0 16,0 0 0-1,1-2 0-15,0-2 0 16,2 1 0 0,3-2 0-16,-2 3 0 15,-3-3 0-15,-1 2 0 16,-3-2 0-16,-2 2 0 15,0 0 0 1,10 4 0 15,3 0 0-31,1-1 0 16,29-2 0 15,8-2 0-31,-11-1 0 16,-13-3 0-1,-8 0 0 1,-11-1 0 0,-3-3 0-16,-2 3 0 15,0 0 0 1,-4 0 0-16,1-3 0 0,2 1 0 16,2 0 0-1,1-2 0 1,1 1 0-16,1 1 0 0,1-2 0 15,1 3 0 1,0 0 0 0,-4 1 0-1,2-3 0-15,3 1 0 16,3 0 0 0,0-1 0-16,-1 1 0 15,1 0 0 1,0-1 0-1,-1 1 0-15,1-2 0 16,3 1 0-16,-2-4 0 16,1 1 0-1,0 3 0-15,2-3 0 16,-1 1 0 0,0 0 0-1,0 1 0-15,1-2 0 0,-5 5 0 16,1 1 0-1,-2 1 0-15,2-2 0 16,2 0 0 0,3-1 0-16,1-3 0 15,4 2 0 1,-2-1 0 0,-2-1 0-1,-1 1 0-15,2-1 0 16,2 0 0-1,2-1 0-15,2 0 0 16,-1 1 0 0,4-1 0-16,-1 2 0 15,-4 0 0 1,-3 1 0-16,2-1 0 16,-2-1 0-1,3 2 0-15,-4-2 0 16,4-1 0-1,-1 3 0-15,-2-2 0 16,-1-1 0 0,0 1 0-16,-1 0 0 15,-4-1 0 1,-2 1 0-16,0 0 0 16,-1-2 0-1,-3 2 0-15,2 0 0 16,-4-2 0-1,-4 3 0-15,0-2 0 16,-2-1 0 0,-3 2 0-16,1 1 0 15,-2-2 0 1,-1 2 0 0,3 0 0-16,0 1 0 15,0 2 0-15,-2-1 0 16,-2-1 0-16,-2-1 0 15,5 2 0 1,-1 1 0-16,2 1 0 16,3-1 0-1,2 1 0-15,5 1 0 16,5 0 0 0,1 0 0-16,3 2 0 31,5-1 0-31,4 1 0 15,7 1 0 1,0 0 0-16,2 2 0 16,2-1 0-16,2 1 0 15,1 2 0 1,6 2 0-16,4 2 0 16,3 1 0-1,-3-3 0-15,0-1 0 16,-2 0 0-1,-3-2 0-15,-1-2 0 16,-3 0 0 0,0-1 0-16,-1 3 0 15,1 3 0 1,-2 0 0-16,2 4 0 16,4 2 0-1,3 0 0-15,1 0 0 16,4 0 0-1,6-6 0-15,5-5 0 16,0-6 0 0,-3-4 0-1,-7-4 0-15,-9-1 0 16</inkml:trace>
+  <inkml:trace contextRef="#ctx0" brushRef="#br0" timeOffset="52170.89">21562 14166 200 0,'-6'-28'0'15,"-8"-13"0"1,-1-1 0-16,-2 2 0 0,2 1 0 16,-1-3 0-1,3-2 0-15,4-2 0 16,3 1 0-1,3-3 0-15,4-1 0 16,6 0 0 0,6-5 0-1,11-2 0-15,8-4 0 16,7-1 0-16,7 0 0 16,8-2 0-1,8 1 0 1,6-2 0-16,4 1 0 15,10 3 0 1,6 1 0 0,2 2 0-16,9 0 0 15,1 4 0 1,10 0 0-16,6 1 0 0,7 4 0 31,1 3 0-15,3 7 0-16,4 5 0 15,0 1 0 1,1 3 0-16,2 7 0 16,2-2 0-16,3 6 0 15,6 1 0 1,1 5 0 0,-1 3 0-16,1 4 0 15,0 4 0-15,3 5 0 16,2 1 0-1,2 6 0-15,1 3 0 16,0 6 0 0,0 3 0-1,1 4 0-15,0 5 0 16,-2 4 0-16,-3 3 0 16,-5 5 0-1,-5 2 0-15,-8 3 0 16,-8 1 0-1,-9-1 0-15,-7 1 0 16,-6 1 0 0,-6 4 0-1,-11 2 0-15,-10 1 0 16,-8-1 0-16,-7 2 0 31,-11-1 0-31,-8 2 0 16,-11-4 0-1,-9 0 0-15,-12 1 0 16,-9 1 0 0,-6-2 0-1,-5 3 0-15,-5-2 0 0,-6 3 0 16,-9-1 0-16,-3-2 0 31,-7-2 0-15,-7-3 0-16,-6-3 0 15,-6-2 0 1,-5-6 0-16,-8-4 0 16,-2-4 0-1,-10-5 0-15,-5-3 0 16,-5-4 0 0,-6-2 0-16,-9 0 0 15,-4-1 0 1,-2-2 0-16,-5-2 0 15,-4-1 0-15,-7 0 0 16,-4-3 0 0,0 0 0-16,-3-1 0 15,-4 0 0 1,1-1 0 0,-3-2 0-16,-4-3 0 15,0-6 0-15,-1-1 0 16,-3-4 0-1,-4-4 0-15,-1-2 0 16,1-5 0 0,-5 1 0-1,-1 2 0-15,-2 0 0 16,1 0 0-16,3 0 0 31,4 3 0-15,5 0 0-16,8 2 0 0,9-1 0 15,6-1 0 1,2-2 0 0,0 2 0-16,-3 0 0 15,3 3 0-15,12-11 0 32</inkml:trace>
+</inkml:ink>
+</file>
+
+<file path=ppt/ink/ink6.xml><?xml version="1.0" encoding="utf-8"?>
+<inkml:ink xmlns:inkml="http://www.w3.org/2003/InkML">
+  <inkml:definitions>
+    <inkml:context xml:id="ctx0">
+      <inkml:inkSource xml:id="inkSrc0">
+        <inkml:traceFormat>
+          <inkml:channel name="X" type="integer" max="32767" units="cm"/>
+          <inkml:channel name="Y" type="integer" max="32767" units="cm"/>
+          <inkml:channel name="F" type="integer" max="1024" units="dev"/>
+          <inkml:channel name="T" type="integer" max="2.14748E9" units="dev"/>
+        </inkml:traceFormat>
+        <inkml:channelProperties>
+          <inkml:channelProperty channel="X" name="resolution" value="325.74808" units="1/cm"/>
+          <inkml:channelProperty channel="Y" name="resolution" value="571.84991" units="1/cm"/>
+          <inkml:channelProperty channel="F" name="resolution" value="4.0315E-5" units="1/dev"/>
+          <inkml:channelProperty channel="T" name="resolution" value="1" units="1/dev"/>
+        </inkml:channelProperties>
+      </inkml:inkSource>
+      <inkml:timestamp xml:id="ts0" timeString="2023-11-09T16:57:32.254"/>
+    </inkml:context>
+    <inkml:brush xml:id="br0">
+      <inkml:brushProperty name="width" value="0.05292" units="cm"/>
+      <inkml:brushProperty name="height" value="0.05292" units="cm"/>
+      <inkml:brushProperty name="color" value="#FF0000"/>
+    </inkml:brush>
+  </inkml:definitions>
+  <inkml:trace contextRef="#ctx0" brushRef="#br0">24783 12138 200 0,'14'-11'0'16,"11"-1"0"-1,5-1 0-15,2 6 0 0,1 3 0 16,-1 2 0-1,6 3 0-15,5 1 0 16,1 3 0 0,7-2 0-16,3 2 0 15,3-2 0 1,6 0 0 0,4-2 0-16,3 2 0 15,4 0 0 1,4-1 0-16,2 1 0 15,7 0 0 1,4-3 0-16,6 0 0 16,3-1 0-1,2-2 0-15,3 0 0 16,1 0 0 0,0-1 0-16,0 1 0 15,3 2 0 1,2 0 0-16,-1 1 0 15,1-2 0 1,1 1 0-16,-1 1 0 16,1 0 0-1,2 0 0 1,-6 2 0-16,0 1 0 16,-4 4 0-16,-3-2 0 15,-5 1 0 1,-4-1 0-16,0 1 0 15,-7-1 0 1,-2 0 0-16,-9 1 0 16,-5-2 0-16,-3-1 0 15,-6-1 0 1,-6 1 0 0,-5 0 0-16,-6 1 0 15,-2-1 0 1,-6 0 0-1,-3 0 0-15,-5 0 0 0,-8 2 0 16,-5-5 0 0</inkml:trace>
+  <inkml:trace contextRef="#ctx0" brushRef="#br0" timeOffset="13636.57">25777 12905 200 0,'0'0'0'15,"0"0"0"1,0 0 0-16,0 0 0 16,0 0 0-16,0 0 0 15,0 0 0-15,0 0 0 16,0 0 0-1,0 0 0-15,0 0 0 16,0 0 0-16,0 0 0 16,0 0 0-1,13 2 0 1,11 1 0-16,7-1 0 16,2-1 0-1,1-1 0-15,6 0 0 16,1 0 0-1,2 0 0-15,4 0 0 16,0 0 0-16,5 0 0 16,2 0 0-1,1 0 0-15,-4 0 0 16,5 0 0 0,2 0 0-1,2-1 0-15,1 0 0 16,0 0 0-1,1 0 0-15,-1 0 0 16,5-1 0 0,-2 1 0-16,1 0 0 15,1 0 0 1,-1 1 0-16,-1 0 0 16,-1-1 0-1,1 0 0-15,1 2 0 16,1 1 0-1,0-1 0 1,-2 1 0-16,0 1 0 16,1 1 0-16,-1 2 0 15,0-3 0 1,0 2 0-16,-1-2 0 16,0-2 0-1,-2 1 0 1,-2 0 0-16,-3 3 0 15,1-2 0-15,-2 0 0 16,-1 0 0 0,-3 0 0-16,3 2 0 15,1-2 0 1,-1 2 0-16,-3-2 0 16,-2 0 0-1,-2 0 0-15,-4 1 0 16,2 0 0-1,-1-1 0-15,-3 2 0 16,-3-2 0 0,1 1 0-16,-3-1 0 15,-2 0 0 1,-4 1 0-16,-1-1 0 16,-4 0 0-1,-2-2 0-15,-3-1 0 16,-4 0 0-1,-6 0 0-15,-10 0 0 16,0 0 0-16,0 0 0 16,0 0 0-1,0 0 0-15,0 0 0 16,0 0 0 0,0 0 0-16,0 0 0 15,7 5 0 1,-7-5 0-16,0 0 0 15,0 0 0 1,0 0 0-16,0 0 0 16,0 0 0-16,0 0 0 15,0 0 0 1,0 0 0-16,0 0 0 16,0 0 0-16,0 0 0 15,0 0 0 1,0 0 0-16,7 5 0 15,-7-5 0 1,0 0 0-16,6 5 0 16,-6-5 0-1,0 0 0-15,0 0 0 16,0 0 0-16,0 0 0 16,0 0 0-1,0 0 0 1,0 0 0-16,0 0 0 15,0 0 0 1,0 0 0-16,0 0 0 16,0 0 0-16,0 0 0 15,0 0 0-15,0 0 0 16,0 0 0 0,0 0 0-16,0 0 0 15,4 7 0 1,-4-7 0-16,2 9 0 15,-2-9 0 1,1 8 0-16,-1-8 0 16,0 0 0-16,1 9 0 15,-1-1 0 1,0-8 0-16,0 9 0 16,0-9 0-16,2 8 0 31,-2-8 0-31,4 6 0 15,-4-6 0-15,0 0 0 16,0 0 0 0,0 0 0-16,-5 0 0 15</inkml:trace>
+</inkml:ink>
+</file>
+
+<file path=ppt/ink/ink7.xml><?xml version="1.0" encoding="utf-8"?>
+<inkml:ink xmlns:inkml="http://www.w3.org/2003/InkML">
+  <inkml:definitions>
+    <inkml:context xml:id="ctx0">
+      <inkml:inkSource xml:id="inkSrc0">
+        <inkml:traceFormat>
+          <inkml:channel name="X" type="integer" max="32767" units="cm"/>
+          <inkml:channel name="Y" type="integer" max="32767" units="cm"/>
+          <inkml:channel name="F" type="integer" max="1024" units="dev"/>
+          <inkml:channel name="T" type="integer" max="2.14748E9" units="dev"/>
+        </inkml:traceFormat>
+        <inkml:channelProperties>
+          <inkml:channelProperty channel="X" name="resolution" value="325.74808" units="1/cm"/>
+          <inkml:channelProperty channel="Y" name="resolution" value="571.84991" units="1/cm"/>
+          <inkml:channelProperty channel="F" name="resolution" value="4.0315E-5" units="1/dev"/>
+          <inkml:channelProperty channel="T" name="resolution" value="1" units="1/dev"/>
+        </inkml:channelProperties>
+      </inkml:inkSource>
+      <inkml:timestamp xml:id="ts0" timeString="2023-11-09T17:26:11.187"/>
+    </inkml:context>
+    <inkml:brush xml:id="br0">
+      <inkml:brushProperty name="width" value="0.05292" units="cm"/>
+      <inkml:brushProperty name="height" value="0.05292" units="cm"/>
+      <inkml:brushProperty name="color" value="#FF0000"/>
+    </inkml:brush>
+  </inkml:definitions>
+  <inkml:trace contextRef="#ctx0" brushRef="#br0">28326 17063 200 0,'-19'9'0'15,"0"0"0"-15,1-2 0 16,5-2 0-16,13-5 0 15,0 0 0-15,0 0 0 16,0 0 0-16,0 0 0 16,0 0 0-16,0 0 0 15,0 0 0 1,0 0 0-16,0 0 0 31,3-1 0-31,10-2 0 16,5 2 0-1,2 2 0-15,6-1 0 0,2 0 0 16,4-1 0 0,2-1 0-16,1 1 0 31,1-2 0-31,2 0 0 16,1-2 0-16,1 3 0 15,2-2 0 1,0-1 0-16,0 2 0 15,-2 2 0 1,1-3 0-16,-2 0 0 0,0 0 0 16,0 1 0-1,-1 3 0 1,-2-1 0 0,2 0 0-16,-2 0 0 15,2 1 0 1,0 0 0-16,1 0 0 15,0 2 0-15,0 0 0 16,-1-1 0-16,4-1 0 31,-2 0 0-31,-5 0 0 16,3 0 0 0,-1 0 0-16,0 0 0 15,0 0 0-15,-3-1 0 16,-1 0 0-1,1 1 0-15,2 2 0 16,0-5 0-16,2 2 0 16,1-3 0-16,-3 2 0 15,2 2 0 1,4 0 0-16,-2-2 0 16,2 1 0-16,2 1 0 31,-3 0 0-16,-1 0 0-15,2 0 0 16,-3-3 0 0,-1 0 0-16,4 2 0 0,-1 0 0 31,-1-2 0-31,2 0 0 16,0 0 0-16,2-1 0 15,1 0 0-15,0 4 0 16,3 3 0-16,1-3 0 15,-2-2 0 1,0 1 0-16,0 0 0 16,-3 0 0-1,1 3 0 1,0 1 0 0,2-2 0-1,0-1 0-15,1 0 0 16,1 0 0-16,-4 0 0 15,-1 3 0-15,-2 0 0 16,-1 1 0 0,-2-1 0-16,-2 1 0 15,-1-4 0 1,-1 2 0-16,-3 1 0 16,-2 0 0-1,-2-3 0 1,-4 0 0-16,-5 3 0 15,-3 0 0 1,-3-1 0-16,-4-1 0 0,2-1 0 16,-1 2 0-16,-3 1 0 15,1 0 0 1,-1-2 0-16,0-1 0 16,0 0 0-1,-7 0 0 1,0 0 0-16,0 0 0 15,0 0 0-15,0 0 0 32,0 0 0-32,0 0 0 15,0 0 0 1,0 0 0-16,0 0 0 16,0 0 0-16,0 0 0 15,0 0 0 1,8-5 0-16,-8-8 0 15</inkml:trace>
+  <inkml:trace contextRef="#ctx0" brushRef="#br0" timeOffset="6004.85">28385 18316 200 0,'0'0'0'16,"0"0"0"-1,0 0 0-15,0 0 0 0,0 0 0 0,0 0 0 16,0 0 0 0,0 0 0-16,0 0 0 15,0 0 0 1,0 0 0-16,0 0 0 16,0 0 0-16,0 0 0 15,0 0 0 1,0 0 0-16,16 0 0 15,10-1 0 1,6 0 0-16,-1 1 0 16,3 3 0-1,0-1 0-15,1-2 0 16,-1 1 0 0,3 2 0-16,4-2 0 15,5-1 0 1,2 0 0-16,9-1 0 15,1 1 0-15,-1-4 0 16,-3 4 0 0,-1-4 0-16,4 4 0 15,3-1 0 1,0 0 0 0,0 0 0-16,-2-1 0 0,1 2 0 15,2-2 0 1,4-1 0-1,1 0 0 1,1-1 0-16,2 3 0 16,3 1 0-16,0 1 0 15,0-1 0-15,1 0 0 16,-3-1 0 0,-3-1 0-1,-3 1 0-15,4-2 0 16,6-1 0-1,1-3 0 1,0 3 0-16,-2-2 0 16,4-1 0-16,1 3 0 15,3-2 0 1,-3 2 0-16,1 1 0 16,-2 1 0-1,0 3 0 1,2 1 0-16,-5 1 0 15,-3 0 0-15,-5-1 0 16,-3 2 0 0,-2-1 0-16,-2 1 0 15,-7-1 0 1,-6 0 0-16,-2-2 0 16,-6 1 0-16,-6-1 0 15,-3-1 0 1,-9 0 0-16,-6-4 0 15,-4-5 0-15</inkml:trace>
+</inkml:ink>
+</file>
+
+<file path=ppt/ink/ink8.xml><?xml version="1.0" encoding="utf-8"?>
+<inkml:ink xmlns:inkml="http://www.w3.org/2003/InkML">
+  <inkml:definitions>
+    <inkml:context xml:id="ctx0">
+      <inkml:inkSource xml:id="inkSrc0">
+        <inkml:traceFormat>
+          <inkml:channel name="X" type="integer" max="32767" units="cm"/>
+          <inkml:channel name="Y" type="integer" max="32767" units="cm"/>
+          <inkml:channel name="F" type="integer" max="1024" units="dev"/>
+          <inkml:channel name="T" type="integer" max="2.14748E9" units="dev"/>
+        </inkml:traceFormat>
+        <inkml:channelProperties>
+          <inkml:channelProperty channel="X" name="resolution" value="325.74808" units="1/cm"/>
+          <inkml:channelProperty channel="Y" name="resolution" value="571.84991" units="1/cm"/>
+          <inkml:channelProperty channel="F" name="resolution" value="4.0315E-5" units="1/dev"/>
+          <inkml:channelProperty channel="T" name="resolution" value="1" units="1/dev"/>
+        </inkml:channelProperties>
+      </inkml:inkSource>
+      <inkml:timestamp xml:id="ts0" timeString="2023-11-09T17:56:24.698"/>
+    </inkml:context>
+    <inkml:brush xml:id="br0">
+      <inkml:brushProperty name="width" value="0.05292" units="cm"/>
+      <inkml:brushProperty name="height" value="0.05292" units="cm"/>
+      <inkml:brushProperty name="color" value="#FF0000"/>
+    </inkml:brush>
+  </inkml:definitions>
+  <inkml:trace contextRef="#ctx0" brushRef="#br0">217 11184 200 0,'0'0'0'15,"0"0"0"1,0 0 0-16,20-2 0 0,14 2 0 16,20 5 0-1,14 1 0 1,18 1 0-16,22 1 0 16,15 0 0-16,9 0 0 15,7 1 0 1,3-3 0-16,3 2 0 15,-4-1 0 1,-4-7 0-16,-8-16 0 16</inkml:trace>
+  <inkml:trace contextRef="#ctx0" brushRef="#br0" timeOffset="683.08">1630 9174 200 0,'0'0'0'0,"-18"-7"0"16,-12 0 0-1,-11 4 0-15,-7 6 0 16,-7 4 0-16,-8 1 0 16,-12 0 0-1,-4-1 0-15,-6 1 0 16,-5-2 0-1,-4 1 0-15,-1 1 0 16,-8 2 0-16,-1-2 0 16,-3 0 0-1,-4 1 0 1,3 1 0-16,-4 4 0 16,-1 3 0-1,14 1 0-15</inkml:trace>
+  <inkml:trace contextRef="#ctx0" brushRef="#br0" timeOffset="1952.03">1453 14932 200 0,'-32'-6'0'16,"-16"-5"0"-1,-15-1 0-15,-12-1 0 0,-11 4 0 16,-23 4 0-16,-21 14 0 16,-17 11 0-1,-12 15 0-15,-5 10 0 16,6 1 0 0,33-5 0-16,0 7 0 15,93-8 0 1,32-13 0-16</inkml:trace>
+  <inkml:trace contextRef="#ctx0" brushRef="#br0" timeOffset="3685.92">208 16151 200 0,'34'-4'0'16,"22"-8"0"0,13-4 0-16,4-3 0 15,3-1 0-15,3 3 0 16,5 4 0-16,-2 4 0 16,7 9 0-1,-4 4 0 1</inkml:trace>
+</inkml:ink>
+</file>
+
+<file path=ppt/ink/ink9.xml><?xml version="1.0" encoding="utf-8"?>
+<inkml:ink xmlns:inkml="http://www.w3.org/2003/InkML">
+  <inkml:definitions>
+    <inkml:context xml:id="ctx0">
+      <inkml:inkSource xml:id="inkSrc0">
+        <inkml:traceFormat>
+          <inkml:channel name="X" type="integer" max="32767" units="cm"/>
+          <inkml:channel name="Y" type="integer" max="32767" units="cm"/>
+          <inkml:channel name="F" type="integer" max="1024" units="dev"/>
+          <inkml:channel name="T" type="integer" max="2.14748E9" units="dev"/>
+        </inkml:traceFormat>
+        <inkml:channelProperties>
+          <inkml:channelProperty channel="X" name="resolution" value="325.74808" units="1/cm"/>
+          <inkml:channelProperty channel="Y" name="resolution" value="571.84991" units="1/cm"/>
+          <inkml:channelProperty channel="F" name="resolution" value="4.0315E-5" units="1/dev"/>
+          <inkml:channelProperty channel="T" name="resolution" value="1" units="1/dev"/>
+        </inkml:channelProperties>
+      </inkml:inkSource>
+      <inkml:timestamp xml:id="ts0" timeString="2023-11-09T19:27:09.764"/>
+    </inkml:context>
+    <inkml:brush xml:id="br0">
+      <inkml:brushProperty name="width" value="0.05292" units="cm"/>
+      <inkml:brushProperty name="height" value="0.05292" units="cm"/>
+      <inkml:brushProperty name="color" value="#FF0000"/>
+    </inkml:brush>
+  </inkml:definitions>
+  <inkml:trace contextRef="#ctx0" brushRef="#br0">29345 17975 200 0,'0'0'0'0,"0"0"0"16,0 0 0-1,0 0 0-15,7 12 0 16,7-1 0-16,1-5 0 16,-1-11 0-1,1-5 0-15,-2-6 0 16,-2-4 0-1,1-2 0-15,-3-2 0 16,-1-4 0 0,-4-2 0-1,0-3 0-15,-3 1 0 16,0-2 0 0,-1-1 0-16,-2-1 0 15,-1-3 0 1,-3-2 0-16,-6 1 0 15,1 0 0-15,-2 1 0 16,-2 2 0 0,-1 1 0-1,-2 1 0-15,-4 3 0 16,-2 0 0 0,3 4 0-16,-3 1 0 0,-4 3 0 15,-3 4 0 1,-7 4 0-16,-4 3 0 15,1-1 0 1,-1 4 0-16,-4 2 0 16,-2 2 0-16,-1 0 0 15,-2 1 0 1,-1 1 0 0,-2-2 0-16,-2 1 0 15,-4 1 0 1,-5 0 0-16,-5 1 0 15,-6-3 0 1,-2-1 0-16,-1 0 0 16,-3-2 0-16,-5-1 0 15,-6-1 0 1,-2 1 0-16,-6-2 0 16,-3-2 0-1,1 0 0-15,-5 3 0 16,0-2 0-1,-5 1 0-15,-3-1 0 32,-3 1 0-32,-4 2 0 15,-4 2 0 1,-3 1 0-16,-5 0 0 0,-4-1 0 16,0 1 0-1,0 1 0-15,1 1 0 16,3 2 0-1,2 0 0 1,-1 0 0-16,-7-1 0 0,-1 0 0 16,-1 5 0-1,-1 2 0 1,3 1 0 0,3-2 0-1,2 0 0-15,1 0 0 16,2 2 0-16,1-1 0 15,1 1 0 1,-4 1 0-16,-1 1 0 16,3 1 0-1,1-3 0 1,3 3 0-16,3 0 0 16,-1-3 0-1,-3 5 0-15,1-1 0 16,1 2 0-16,1-1 0 15,1 2 0 1,-2 1 0-16,0-2 0 16,0-1 0-16,2 3 0 15,2 0 0 1,2-1 0-16,2 3 0 16,1-2 0-1,3 3 0-15,0-2 0 16,-2 1 0-1,-1 0 0-15,0-1 0 16,-2 1 0-16,3 1 0 31,1 0 0-15,-4 1 0-16,-1 3 0 16,-1 0 0-1,1 2 0-15,1-2 0 16,1-4 0-16,-1-3 0 15,4-2 0 1,-1-5 0-16,-8 0 0 16,0-1 0-16,-4 0 0 31,-3-3 0-31,-1-5 0 16,-1-1 0-1,-1-2 0-15,-1-3 0 16,0-2 0-1,-1-1 0-15,-1 3 0 16,-3-3 0 0,2-3 0-16,-6-3 0 15,-2-2 0-15,-2-2 0 16,2-2 0 0,-1-2 0-1,1-2 0-15,-3-1 0 16,4 0 0-16,-1-1 0 15,5-3 0 1,-2 0 0-16,3-1 0 16,3-4 0-1,0 0 0-15,5-4 0 0,4-5 0 16,6-1 0 0,5-4 0-1,7-1 0-15,6-1 0 16,7-2 0-1,8-5 0 1,9-2 0 0,10-6 0-16,11-7 0 15,12-6 0 1,13-5 0-16,15-2 0 16,8 1 0-1,12-3 0-15,11 3 0 16,12-3 0-1,16-1 0-15,14-3 0 16,14 0 0-16,13 1 0 16,14 6 0-1,6 6 0-15,5 9 0 16,10 4 0 0,-1 10 0-1,2 5 0 1,-1 5 0-16,-6 2 0 15,-3 4 0 1,-6 4 0-16,-7 3 0 16,-7-2 0-1</inkml:trace>
+  <inkml:trace contextRef="#ctx0" brushRef="#br0" timeOffset="888.47">15672 14039 200 0,'0'0'0'16,"4"12"0"-16,4 20 0 16,2 15 0-1,2 16 0 1,3 15 0-16,3 12 0 16,5 5 0-1,3 1 0-15,1-4 0 31,-5-10 0-31,4-13 0 16,-3-9 0 0,-1-9 0-16,-4-13 0 15,-5-11 0 1,-6-9 0-16,-7-18 0 16,7 5 0-16,-1-15 0 15,1-17 0 1,4-17 0-16,9-14 0 15,9-11 0 1,13-2 0-16,13-3 0 16,14 1 0-16,10 0 0 31,13 5 0-15,10 5 0-16,5 6 0 15,3 8 0-15,-7 5 0 16,-8 6 0-1,-11 5 0-15,-11 2 0 16,-13 3 0 0,-11 4 0-16,-13 3 0 15,-14-2 0 1,-16-2 0-16,-20-1 0 16,-22 0 0-1,-24 6 0-15,-26 5 0 16,-29 8 0-16,-30 12 0 15,-22 11 0-15,-19 9 0 16,-9 11 0 0,0 8 0-16,2 1 0 15</inkml:trace>
+</inkml:ink>
 </file>
 
 <file path=ppt/notesMasters/notesMaster1.xml><?xml version="1.0" encoding="utf-8"?>
@@ -273,7 +563,7 @@
           <a:p>
             <a:fld id="{DAD92022-172B-46E9-890C-D5D5EF228BFD}" type="datetimeFigureOut">
               <a:rPr lang="en-US" smtClean="0"/>
-              <a:t>6/5/2023</a:t>
+              <a:t>11/9/2023</a:t>
             </a:fld>
             <a:endParaRPr lang="en-US"/>
           </a:p>
@@ -1029,7 +1319,7 @@
           <a:p>
             <a:fld id="{BC7324A3-0446-446C-AB78-91213E211176}" type="datetimeFigureOut">
               <a:rPr lang="en-US" smtClean="0"/>
-              <a:t>6/5/2023</a:t>
+              <a:t>11/9/2023</a:t>
             </a:fld>
             <a:endParaRPr lang="en-US"/>
           </a:p>
@@ -1227,7 +1517,7 @@
           <a:p>
             <a:fld id="{BC7324A3-0446-446C-AB78-91213E211176}" type="datetimeFigureOut">
               <a:rPr lang="en-US" smtClean="0"/>
-              <a:t>6/5/2023</a:t>
+              <a:t>11/9/2023</a:t>
             </a:fld>
             <a:endParaRPr lang="en-US"/>
           </a:p>
@@ -1435,7 +1725,7 @@
           <a:p>
             <a:fld id="{BC7324A3-0446-446C-AB78-91213E211176}" type="datetimeFigureOut">
               <a:rPr lang="en-US" smtClean="0"/>
-              <a:t>6/5/2023</a:t>
+              <a:t>11/9/2023</a:t>
             </a:fld>
             <a:endParaRPr lang="en-US"/>
           </a:p>
@@ -1633,7 +1923,7 @@
           <a:p>
             <a:fld id="{BC7324A3-0446-446C-AB78-91213E211176}" type="datetimeFigureOut">
               <a:rPr lang="en-US" smtClean="0"/>
-              <a:t>6/5/2023</a:t>
+              <a:t>11/9/2023</a:t>
             </a:fld>
             <a:endParaRPr lang="en-US"/>
           </a:p>
@@ -1908,7 +2198,7 @@
           <a:p>
             <a:fld id="{BC7324A3-0446-446C-AB78-91213E211176}" type="datetimeFigureOut">
               <a:rPr lang="en-US" smtClean="0"/>
-              <a:t>6/5/2023</a:t>
+              <a:t>11/9/2023</a:t>
             </a:fld>
             <a:endParaRPr lang="en-US"/>
           </a:p>
@@ -2173,7 +2463,7 @@
           <a:p>
             <a:fld id="{BC7324A3-0446-446C-AB78-91213E211176}" type="datetimeFigureOut">
               <a:rPr lang="en-US" smtClean="0"/>
-              <a:t>6/5/2023</a:t>
+              <a:t>11/9/2023</a:t>
             </a:fld>
             <a:endParaRPr lang="en-US"/>
           </a:p>
@@ -2585,7 +2875,7 @@
           <a:p>
             <a:fld id="{BC7324A3-0446-446C-AB78-91213E211176}" type="datetimeFigureOut">
               <a:rPr lang="en-US" smtClean="0"/>
-              <a:t>6/5/2023</a:t>
+              <a:t>11/9/2023</a:t>
             </a:fld>
             <a:endParaRPr lang="en-US"/>
           </a:p>
@@ -2726,7 +3016,7 @@
           <a:p>
             <a:fld id="{BC7324A3-0446-446C-AB78-91213E211176}" type="datetimeFigureOut">
               <a:rPr lang="en-US" smtClean="0"/>
-              <a:t>6/5/2023</a:t>
+              <a:t>11/9/2023</a:t>
             </a:fld>
             <a:endParaRPr lang="en-US"/>
           </a:p>
@@ -2839,7 +3129,7 @@
           <a:p>
             <a:fld id="{BC7324A3-0446-446C-AB78-91213E211176}" type="datetimeFigureOut">
               <a:rPr lang="en-US" smtClean="0"/>
-              <a:t>6/5/2023</a:t>
+              <a:t>11/9/2023</a:t>
             </a:fld>
             <a:endParaRPr lang="en-US"/>
           </a:p>
@@ -3150,7 +3440,7 @@
           <a:p>
             <a:fld id="{BC7324A3-0446-446C-AB78-91213E211176}" type="datetimeFigureOut">
               <a:rPr lang="en-US" smtClean="0"/>
-              <a:t>6/5/2023</a:t>
+              <a:t>11/9/2023</a:t>
             </a:fld>
             <a:endParaRPr lang="en-US"/>
           </a:p>
@@ -3438,7 +3728,7 @@
           <a:p>
             <a:fld id="{BC7324A3-0446-446C-AB78-91213E211176}" type="datetimeFigureOut">
               <a:rPr lang="en-US" smtClean="0"/>
-              <a:t>6/5/2023</a:t>
+              <a:t>11/9/2023</a:t>
             </a:fld>
             <a:endParaRPr lang="en-US"/>
           </a:p>
@@ -3679,7 +3969,7 @@
           <a:p>
             <a:fld id="{BC7324A3-0446-446C-AB78-91213E211176}" type="datetimeFigureOut">
               <a:rPr lang="en-US" smtClean="0"/>
-              <a:t>6/5/2023</a:t>
+              <a:t>11/9/2023</a:t>
             </a:fld>
             <a:endParaRPr lang="en-US"/>
           </a:p>
@@ -4658,6 +4948,57 @@
           </a:prstGeom>
         </p:spPr>
       </p:pic>
+      <mc:AlternateContent xmlns:mc="http://schemas.openxmlformats.org/markup-compatibility/2006">
+        <mc:Choice xmlns:p14="http://schemas.microsoft.com/office/powerpoint/2010/main" Requires="p14">
+          <p:contentPart p14:bwMode="auto" r:id="rId4">
+            <p14:nvContentPartPr>
+              <p14:cNvPr id="4" name="Ink 3">
+                <a:extLst>
+                  <a:ext uri="{FF2B5EF4-FFF2-40B4-BE49-F238E27FC236}">
+                    <a16:creationId xmlns:a16="http://schemas.microsoft.com/office/drawing/2014/main" id="{DEBEB465-992A-4856-A1F9-8084629C1DB3}"/>
+                  </a:ext>
+                </a:extLst>
+              </p14:cNvPr>
+              <p14:cNvContentPartPr/>
+              <p14:nvPr/>
+            </p14:nvContentPartPr>
+            <p14:xfrm>
+              <a:off x="0" y="4577400"/>
+              <a:ext cx="1859400" cy="2200680"/>
+            </p14:xfrm>
+          </p:contentPart>
+        </mc:Choice>
+        <mc:Fallback>
+          <p:pic>
+            <p:nvPicPr>
+              <p:cNvPr id="4" name="Ink 3">
+                <a:extLst>
+                  <a:ext uri="{FF2B5EF4-FFF2-40B4-BE49-F238E27FC236}">
+                    <a16:creationId xmlns:a16="http://schemas.microsoft.com/office/drawing/2014/main" id="{DEBEB465-992A-4856-A1F9-8084629C1DB3}"/>
+                  </a:ext>
+                </a:extLst>
+              </p:cNvPr>
+              <p:cNvPicPr/>
+              <p:nvPr/>
+            </p:nvPicPr>
+            <p:blipFill>
+              <a:blip r:embed="rId5"/>
+              <a:stretch>
+                <a:fillRect/>
+              </a:stretch>
+            </p:blipFill>
+            <p:spPr>
+              <a:xfrm>
+                <a:off x="-9360" y="4568040"/>
+                <a:ext cx="1878120" cy="2219400"/>
+              </a:xfrm>
+              <a:prstGeom prst="rect">
+                <a:avLst/>
+              </a:prstGeom>
+            </p:spPr>
+          </p:pic>
+        </mc:Fallback>
+      </mc:AlternateContent>
     </p:spTree>
     <p:extLst>
       <p:ext uri="{BB962C8B-B14F-4D97-AF65-F5344CB8AC3E}">
@@ -6444,6 +6785,57 @@
           </a:prstGeom>
         </p:spPr>
       </p:pic>
+      <mc:AlternateContent xmlns:mc="http://schemas.openxmlformats.org/markup-compatibility/2006">
+        <mc:Choice xmlns:p14="http://schemas.microsoft.com/office/powerpoint/2010/main" Requires="p14">
+          <p:contentPart p14:bwMode="auto" r:id="rId3">
+            <p14:nvContentPartPr>
+              <p14:cNvPr id="4" name="Ink 3">
+                <a:extLst>
+                  <a:ext uri="{FF2B5EF4-FFF2-40B4-BE49-F238E27FC236}">
+                    <a16:creationId xmlns:a16="http://schemas.microsoft.com/office/drawing/2014/main" id="{FB4F47C9-000B-48F7-B678-1DC5B10C6756}"/>
+                  </a:ext>
+                </a:extLst>
+              </p14:cNvPr>
+              <p14:cNvContentPartPr/>
+              <p14:nvPr/>
+            </p14:nvContentPartPr>
+            <p14:xfrm>
+              <a:off x="3415680" y="3219120"/>
+              <a:ext cx="7850520" cy="2026080"/>
+            </p14:xfrm>
+          </p:contentPart>
+        </mc:Choice>
+        <mc:Fallback>
+          <p:pic>
+            <p:nvPicPr>
+              <p:cNvPr id="4" name="Ink 3">
+                <a:extLst>
+                  <a:ext uri="{FF2B5EF4-FFF2-40B4-BE49-F238E27FC236}">
+                    <a16:creationId xmlns:a16="http://schemas.microsoft.com/office/drawing/2014/main" id="{FB4F47C9-000B-48F7-B678-1DC5B10C6756}"/>
+                  </a:ext>
+                </a:extLst>
+              </p:cNvPr>
+              <p:cNvPicPr/>
+              <p:nvPr/>
+            </p:nvPicPr>
+            <p:blipFill>
+              <a:blip r:embed="rId4"/>
+              <a:stretch>
+                <a:fillRect/>
+              </a:stretch>
+            </p:blipFill>
+            <p:spPr>
+              <a:xfrm>
+                <a:off x="3406320" y="3209760"/>
+                <a:ext cx="7869240" cy="2044800"/>
+              </a:xfrm>
+              <a:prstGeom prst="rect">
+                <a:avLst/>
+              </a:prstGeom>
+            </p:spPr>
+          </p:pic>
+        </mc:Fallback>
+      </mc:AlternateContent>
     </p:spTree>
     <p:extLst>
       <p:ext uri="{BB962C8B-B14F-4D97-AF65-F5344CB8AC3E}">
@@ -7089,6 +7481,57 @@
           </a:prstGeom>
         </p:spPr>
       </p:pic>
+      <mc:AlternateContent xmlns:mc="http://schemas.openxmlformats.org/markup-compatibility/2006">
+        <mc:Choice xmlns:p14="http://schemas.microsoft.com/office/powerpoint/2010/main" Requires="p14">
+          <p:contentPart p14:bwMode="auto" r:id="rId3">
+            <p14:nvContentPartPr>
+              <p14:cNvPr id="4" name="Ink 3">
+                <a:extLst>
+                  <a:ext uri="{FF2B5EF4-FFF2-40B4-BE49-F238E27FC236}">
+                    <a16:creationId xmlns:a16="http://schemas.microsoft.com/office/drawing/2014/main" id="{C44A6D53-A83C-418D-8824-70081C3C3C4D}"/>
+                  </a:ext>
+                </a:extLst>
+              </p14:cNvPr>
+              <p14:cNvContentPartPr/>
+              <p14:nvPr/>
+            </p14:nvContentPartPr>
+            <p14:xfrm>
+              <a:off x="747360" y="4569840"/>
+              <a:ext cx="1323360" cy="493560"/>
+            </p14:xfrm>
+          </p:contentPart>
+        </mc:Choice>
+        <mc:Fallback>
+          <p:pic>
+            <p:nvPicPr>
+              <p:cNvPr id="4" name="Ink 3">
+                <a:extLst>
+                  <a:ext uri="{FF2B5EF4-FFF2-40B4-BE49-F238E27FC236}">
+                    <a16:creationId xmlns:a16="http://schemas.microsoft.com/office/drawing/2014/main" id="{C44A6D53-A83C-418D-8824-70081C3C3C4D}"/>
+                  </a:ext>
+                </a:extLst>
+              </p:cNvPr>
+              <p:cNvPicPr/>
+              <p:nvPr/>
+            </p:nvPicPr>
+            <p:blipFill>
+              <a:blip r:embed="rId4"/>
+              <a:stretch>
+                <a:fillRect/>
+              </a:stretch>
+            </p:blipFill>
+            <p:spPr>
+              <a:xfrm>
+                <a:off x="738000" y="4560480"/>
+                <a:ext cx="1342080" cy="512280"/>
+              </a:xfrm>
+              <a:prstGeom prst="rect">
+                <a:avLst/>
+              </a:prstGeom>
+            </p:spPr>
+          </p:pic>
+        </mc:Fallback>
+      </mc:AlternateContent>
     </p:spTree>
     <p:extLst>
       <p:ext uri="{BB962C8B-B14F-4D97-AF65-F5344CB8AC3E}">
@@ -7731,6 +8174,57 @@
           </a:prstGeom>
         </p:spPr>
       </p:pic>
+      <mc:AlternateContent xmlns:mc="http://schemas.openxmlformats.org/markup-compatibility/2006">
+        <mc:Choice xmlns:p14="http://schemas.microsoft.com/office/powerpoint/2010/main" Requires="p14">
+          <p:contentPart p14:bwMode="auto" r:id="rId4">
+            <p14:nvContentPartPr>
+              <p14:cNvPr id="4" name="Ink 3">
+                <a:extLst>
+                  <a:ext uri="{FF2B5EF4-FFF2-40B4-BE49-F238E27FC236}">
+                    <a16:creationId xmlns:a16="http://schemas.microsoft.com/office/drawing/2014/main" id="{30D9268A-BF99-42B6-8548-A42393331F3C}"/>
+                  </a:ext>
+                </a:extLst>
+              </p14:cNvPr>
+              <p14:cNvContentPartPr/>
+              <p14:nvPr/>
+            </p14:nvContentPartPr>
+            <p14:xfrm>
+              <a:off x="8921880" y="4352040"/>
+              <a:ext cx="1589040" cy="362160"/>
+            </p14:xfrm>
+          </p:contentPart>
+        </mc:Choice>
+        <mc:Fallback>
+          <p:pic>
+            <p:nvPicPr>
+              <p:cNvPr id="4" name="Ink 3">
+                <a:extLst>
+                  <a:ext uri="{FF2B5EF4-FFF2-40B4-BE49-F238E27FC236}">
+                    <a16:creationId xmlns:a16="http://schemas.microsoft.com/office/drawing/2014/main" id="{30D9268A-BF99-42B6-8548-A42393331F3C}"/>
+                  </a:ext>
+                </a:extLst>
+              </p:cNvPr>
+              <p:cNvPicPr/>
+              <p:nvPr/>
+            </p:nvPicPr>
+            <p:blipFill>
+              <a:blip r:embed="rId5"/>
+              <a:stretch>
+                <a:fillRect/>
+              </a:stretch>
+            </p:blipFill>
+            <p:spPr>
+              <a:xfrm>
+                <a:off x="8912520" y="4342680"/>
+                <a:ext cx="1607760" cy="380880"/>
+              </a:xfrm>
+              <a:prstGeom prst="rect">
+                <a:avLst/>
+              </a:prstGeom>
+            </p:spPr>
+          </p:pic>
+        </mc:Fallback>
+      </mc:AlternateContent>
     </p:spTree>
     <p:extLst>
       <p:ext uri="{BB962C8B-B14F-4D97-AF65-F5344CB8AC3E}">
@@ -8939,6 +9433,57 @@
           </a:prstGeom>
         </p:spPr>
       </p:pic>
+      <mc:AlternateContent xmlns:mc="http://schemas.openxmlformats.org/markup-compatibility/2006">
+        <mc:Choice xmlns:p14="http://schemas.microsoft.com/office/powerpoint/2010/main" Requires="p14">
+          <p:contentPart p14:bwMode="auto" r:id="rId4">
+            <p14:nvContentPartPr>
+              <p14:cNvPr id="4" name="Ink 3">
+                <a:extLst>
+                  <a:ext uri="{FF2B5EF4-FFF2-40B4-BE49-F238E27FC236}">
+                    <a16:creationId xmlns:a16="http://schemas.microsoft.com/office/drawing/2014/main" id="{70062B1F-D0EB-42F1-B544-35E02628CC35}"/>
+                  </a:ext>
+                </a:extLst>
+              </p14:cNvPr>
+              <p14:cNvContentPartPr/>
+              <p14:nvPr/>
+            </p14:nvContentPartPr>
+            <p14:xfrm>
+              <a:off x="40680" y="5319000"/>
+              <a:ext cx="8521560" cy="1435320"/>
+            </p14:xfrm>
+          </p:contentPart>
+        </mc:Choice>
+        <mc:Fallback>
+          <p:pic>
+            <p:nvPicPr>
+              <p:cNvPr id="4" name="Ink 3">
+                <a:extLst>
+                  <a:ext uri="{FF2B5EF4-FFF2-40B4-BE49-F238E27FC236}">
+                    <a16:creationId xmlns:a16="http://schemas.microsoft.com/office/drawing/2014/main" id="{70062B1F-D0EB-42F1-B544-35E02628CC35}"/>
+                  </a:ext>
+                </a:extLst>
+              </p:cNvPr>
+              <p:cNvPicPr/>
+              <p:nvPr/>
+            </p:nvPicPr>
+            <p:blipFill>
+              <a:blip r:embed="rId5"/>
+              <a:stretch>
+                <a:fillRect/>
+              </a:stretch>
+            </p:blipFill>
+            <p:spPr>
+              <a:xfrm>
+                <a:off x="31320" y="5309640"/>
+                <a:ext cx="8540280" cy="1454040"/>
+              </a:xfrm>
+              <a:prstGeom prst="rect">
+                <a:avLst/>
+              </a:prstGeom>
+            </p:spPr>
+          </p:pic>
+        </mc:Fallback>
+      </mc:AlternateContent>
     </p:spTree>
     <p:extLst>
       <p:ext uri="{BB962C8B-B14F-4D97-AF65-F5344CB8AC3E}">
@@ -10125,6 +10670,57 @@
           </a:prstGeom>
         </p:spPr>
       </p:pic>
+      <mc:AlternateContent xmlns:mc="http://schemas.openxmlformats.org/markup-compatibility/2006">
+        <mc:Choice xmlns:p14="http://schemas.microsoft.com/office/powerpoint/2010/main" Requires="p14">
+          <p:contentPart p14:bwMode="auto" r:id="rId4">
+            <p14:nvContentPartPr>
+              <p14:cNvPr id="4" name="Ink 3">
+                <a:extLst>
+                  <a:ext uri="{FF2B5EF4-FFF2-40B4-BE49-F238E27FC236}">
+                    <a16:creationId xmlns:a16="http://schemas.microsoft.com/office/drawing/2014/main" id="{217C3DB6-96EB-4C25-967C-853AED6ADCF9}"/>
+                  </a:ext>
+                </a:extLst>
+              </p14:cNvPr>
+              <p14:cNvContentPartPr/>
+              <p14:nvPr/>
+            </p14:nvContentPartPr>
+            <p14:xfrm>
+              <a:off x="10172520" y="6122160"/>
+              <a:ext cx="1319040" cy="474840"/>
+            </p14:xfrm>
+          </p:contentPart>
+        </mc:Choice>
+        <mc:Fallback>
+          <p:pic>
+            <p:nvPicPr>
+              <p:cNvPr id="4" name="Ink 3">
+                <a:extLst>
+                  <a:ext uri="{FF2B5EF4-FFF2-40B4-BE49-F238E27FC236}">
+                    <a16:creationId xmlns:a16="http://schemas.microsoft.com/office/drawing/2014/main" id="{217C3DB6-96EB-4C25-967C-853AED6ADCF9}"/>
+                  </a:ext>
+                </a:extLst>
+              </p:cNvPr>
+              <p:cNvPicPr/>
+              <p:nvPr/>
+            </p:nvPicPr>
+            <p:blipFill>
+              <a:blip r:embed="rId5"/>
+              <a:stretch>
+                <a:fillRect/>
+              </a:stretch>
+            </p:blipFill>
+            <p:spPr>
+              <a:xfrm>
+                <a:off x="10163160" y="6112800"/>
+                <a:ext cx="1337760" cy="493560"/>
+              </a:xfrm>
+              <a:prstGeom prst="rect">
+                <a:avLst/>
+              </a:prstGeom>
+            </p:spPr>
+          </p:pic>
+        </mc:Fallback>
+      </mc:AlternateContent>
     </p:spTree>
     <p:extLst>
       <p:ext uri="{BB962C8B-B14F-4D97-AF65-F5344CB8AC3E}">
@@ -11179,6 +11775,57 @@
           </a:xfrm>
         </p:spPr>
       </p:pic>
+      <mc:AlternateContent xmlns:mc="http://schemas.openxmlformats.org/markup-compatibility/2006">
+        <mc:Choice xmlns:p14="http://schemas.microsoft.com/office/powerpoint/2010/main" Requires="p14">
+          <p:contentPart p14:bwMode="auto" r:id="rId3">
+            <p14:nvContentPartPr>
+              <p14:cNvPr id="3" name="Ink 2">
+                <a:extLst>
+                  <a:ext uri="{FF2B5EF4-FFF2-40B4-BE49-F238E27FC236}">
+                    <a16:creationId xmlns:a16="http://schemas.microsoft.com/office/drawing/2014/main" id="{622B5275-E0CE-4CBF-8D84-AAE03E7E0C8C}"/>
+                  </a:ext>
+                </a:extLst>
+              </p14:cNvPr>
+              <p14:cNvContentPartPr/>
+              <p14:nvPr/>
+            </p14:nvContentPartPr>
+            <p14:xfrm>
+              <a:off x="0" y="3296520"/>
+              <a:ext cx="603360" cy="2518200"/>
+            </p14:xfrm>
+          </p:contentPart>
+        </mc:Choice>
+        <mc:Fallback>
+          <p:pic>
+            <p:nvPicPr>
+              <p:cNvPr id="3" name="Ink 2">
+                <a:extLst>
+                  <a:ext uri="{FF2B5EF4-FFF2-40B4-BE49-F238E27FC236}">
+                    <a16:creationId xmlns:a16="http://schemas.microsoft.com/office/drawing/2014/main" id="{622B5275-E0CE-4CBF-8D84-AAE03E7E0C8C}"/>
+                  </a:ext>
+                </a:extLst>
+              </p:cNvPr>
+              <p:cNvPicPr/>
+              <p:nvPr/>
+            </p:nvPicPr>
+            <p:blipFill>
+              <a:blip r:embed="rId4"/>
+              <a:stretch>
+                <a:fillRect/>
+              </a:stretch>
+            </p:blipFill>
+            <p:spPr>
+              <a:xfrm>
+                <a:off x="-9360" y="3287160"/>
+                <a:ext cx="622080" cy="2536920"/>
+              </a:xfrm>
+              <a:prstGeom prst="rect">
+                <a:avLst/>
+              </a:prstGeom>
+            </p:spPr>
+          </p:pic>
+        </mc:Fallback>
+      </mc:AlternateContent>
     </p:spTree>
     <p:extLst>
       <p:ext uri="{BB962C8B-B14F-4D97-AF65-F5344CB8AC3E}">
@@ -14296,6 +14943,57 @@
           </a:prstGeom>
         </p:spPr>
       </p:pic>
+      <mc:AlternateContent xmlns:mc="http://schemas.openxmlformats.org/markup-compatibility/2006">
+        <mc:Choice xmlns:p14="http://schemas.microsoft.com/office/powerpoint/2010/main" Requires="p14">
+          <p:contentPart p14:bwMode="auto" r:id="rId4">
+            <p14:nvContentPartPr>
+              <p14:cNvPr id="4" name="Ink 3">
+                <a:extLst>
+                  <a:ext uri="{FF2B5EF4-FFF2-40B4-BE49-F238E27FC236}">
+                    <a16:creationId xmlns:a16="http://schemas.microsoft.com/office/drawing/2014/main" id="{F03158C6-02F4-4FB3-9A1E-800014F31FE9}"/>
+                  </a:ext>
+                </a:extLst>
+              </p14:cNvPr>
+              <p14:cNvContentPartPr/>
+              <p14:nvPr/>
+            </p14:nvContentPartPr>
+            <p14:xfrm>
+              <a:off x="140400" y="5272920"/>
+              <a:ext cx="511200" cy="1585080"/>
+            </p14:xfrm>
+          </p:contentPart>
+        </mc:Choice>
+        <mc:Fallback>
+          <p:pic>
+            <p:nvPicPr>
+              <p:cNvPr id="4" name="Ink 3">
+                <a:extLst>
+                  <a:ext uri="{FF2B5EF4-FFF2-40B4-BE49-F238E27FC236}">
+                    <a16:creationId xmlns:a16="http://schemas.microsoft.com/office/drawing/2014/main" id="{F03158C6-02F4-4FB3-9A1E-800014F31FE9}"/>
+                  </a:ext>
+                </a:extLst>
+              </p:cNvPr>
+              <p:cNvPicPr/>
+              <p:nvPr/>
+            </p:nvPicPr>
+            <p:blipFill>
+              <a:blip r:embed="rId5"/>
+              <a:stretch>
+                <a:fillRect/>
+              </a:stretch>
+            </p:blipFill>
+            <p:spPr>
+              <a:xfrm>
+                <a:off x="131040" y="5263560"/>
+                <a:ext cx="529920" cy="1603800"/>
+              </a:xfrm>
+              <a:prstGeom prst="rect">
+                <a:avLst/>
+              </a:prstGeom>
+            </p:spPr>
+          </p:pic>
+        </mc:Fallback>
+      </mc:AlternateContent>
     </p:spTree>
     <p:extLst>
       <p:ext uri="{BB962C8B-B14F-4D97-AF65-F5344CB8AC3E}">
@@ -15523,6 +16221,57 @@
           </a:prstGeom>
         </p:spPr>
       </p:pic>
+      <mc:AlternateContent xmlns:mc="http://schemas.openxmlformats.org/markup-compatibility/2006">
+        <mc:Choice xmlns:p14="http://schemas.microsoft.com/office/powerpoint/2010/main" Requires="p14">
+          <p:contentPart p14:bwMode="auto" r:id="rId3">
+            <p14:nvContentPartPr>
+              <p14:cNvPr id="4" name="Ink 3">
+                <a:extLst>
+                  <a:ext uri="{FF2B5EF4-FFF2-40B4-BE49-F238E27FC236}">
+                    <a16:creationId xmlns:a16="http://schemas.microsoft.com/office/drawing/2014/main" id="{258C2F7C-912C-401A-A70E-3AECFAB2BED7}"/>
+                  </a:ext>
+                </a:extLst>
+              </p14:cNvPr>
+              <p14:cNvContentPartPr/>
+              <p14:nvPr/>
+            </p14:nvContentPartPr>
+            <p14:xfrm>
+              <a:off x="5196600" y="5002920"/>
+              <a:ext cx="5414040" cy="1478880"/>
+            </p14:xfrm>
+          </p:contentPart>
+        </mc:Choice>
+        <mc:Fallback>
+          <p:pic>
+            <p:nvPicPr>
+              <p:cNvPr id="4" name="Ink 3">
+                <a:extLst>
+                  <a:ext uri="{FF2B5EF4-FFF2-40B4-BE49-F238E27FC236}">
+                    <a16:creationId xmlns:a16="http://schemas.microsoft.com/office/drawing/2014/main" id="{258C2F7C-912C-401A-A70E-3AECFAB2BED7}"/>
+                  </a:ext>
+                </a:extLst>
+              </p:cNvPr>
+              <p:cNvPicPr/>
+              <p:nvPr/>
+            </p:nvPicPr>
+            <p:blipFill>
+              <a:blip r:embed="rId4"/>
+              <a:stretch>
+                <a:fillRect/>
+              </a:stretch>
+            </p:blipFill>
+            <p:spPr>
+              <a:xfrm>
+                <a:off x="5187240" y="4993560"/>
+                <a:ext cx="5432760" cy="1497600"/>
+              </a:xfrm>
+              <a:prstGeom prst="rect">
+                <a:avLst/>
+              </a:prstGeom>
+            </p:spPr>
+          </p:pic>
+        </mc:Fallback>
+      </mc:AlternateContent>
     </p:spTree>
     <p:extLst>
       <p:ext uri="{BB962C8B-B14F-4D97-AF65-F5344CB8AC3E}">
